--- a/src/main/resources/lesson35/Spring.Basics.pptx
+++ b/src/main/resources/lesson35/Spring.Basics.pptx
@@ -221,7 +221,7 @@
           <a:p>
             <a:fld id="{D15B1B1A-7302-47FC-952D-0C1A65EDA216}" type="datetimeFigureOut">
               <a:rPr lang="en-GB" smtClean="0"/>
-              <a:t>16/03/2023</a:t>
+              <a:t>19/04/2023</a:t>
             </a:fld>
             <a:endParaRPr lang="en-GB"/>
           </a:p>
@@ -1838,7 +1838,7 @@
           <a:p>
             <a:fld id="{B4C71EC6-210F-42DE-9C53-41977AD35B3D}" type="datetimeFigureOut">
               <a:rPr lang="ru-RU" smtClean="0"/>
-              <a:t>16.03.2023</a:t>
+              <a:t>19.04.2023</a:t>
             </a:fld>
             <a:endParaRPr lang="ru-RU"/>
           </a:p>
@@ -2003,7 +2003,7 @@
           <a:p>
             <a:fld id="{B4C71EC6-210F-42DE-9C53-41977AD35B3D}" type="datetimeFigureOut">
               <a:rPr lang="ru-RU" smtClean="0"/>
-              <a:t>16.03.2023</a:t>
+              <a:t>19.04.2023</a:t>
             </a:fld>
             <a:endParaRPr lang="ru-RU"/>
           </a:p>
@@ -2178,7 +2178,7 @@
           <a:p>
             <a:fld id="{B4C71EC6-210F-42DE-9C53-41977AD35B3D}" type="datetimeFigureOut">
               <a:rPr lang="ru-RU" smtClean="0"/>
-              <a:t>16.03.2023</a:t>
+              <a:t>19.04.2023</a:t>
             </a:fld>
             <a:endParaRPr lang="ru-RU"/>
           </a:p>
@@ -2343,7 +2343,7 @@
           <a:p>
             <a:fld id="{B4C71EC6-210F-42DE-9C53-41977AD35B3D}" type="datetimeFigureOut">
               <a:rPr lang="ru-RU" smtClean="0"/>
-              <a:t>16.03.2023</a:t>
+              <a:t>19.04.2023</a:t>
             </a:fld>
             <a:endParaRPr lang="ru-RU"/>
           </a:p>
@@ -2585,7 +2585,7 @@
           <a:p>
             <a:fld id="{B4C71EC6-210F-42DE-9C53-41977AD35B3D}" type="datetimeFigureOut">
               <a:rPr lang="ru-RU" smtClean="0"/>
-              <a:t>16.03.2023</a:t>
+              <a:t>19.04.2023</a:t>
             </a:fld>
             <a:endParaRPr lang="ru-RU"/>
           </a:p>
@@ -2849,7 +2849,7 @@
           <a:p>
             <a:fld id="{B4C71EC6-210F-42DE-9C53-41977AD35B3D}" type="datetimeFigureOut">
               <a:rPr lang="ru-RU" smtClean="0"/>
-              <a:t>16.03.2023</a:t>
+              <a:t>19.04.2023</a:t>
             </a:fld>
             <a:endParaRPr lang="ru-RU"/>
           </a:p>
@@ -3227,7 +3227,7 @@
           <a:p>
             <a:fld id="{B4C71EC6-210F-42DE-9C53-41977AD35B3D}" type="datetimeFigureOut">
               <a:rPr lang="ru-RU" smtClean="0"/>
-              <a:t>16.03.2023</a:t>
+              <a:t>19.04.2023</a:t>
             </a:fld>
             <a:endParaRPr lang="ru-RU"/>
           </a:p>
@@ -3377,7 +3377,7 @@
           <a:p>
             <a:fld id="{B4C71EC6-210F-42DE-9C53-41977AD35B3D}" type="datetimeFigureOut">
               <a:rPr lang="ru-RU" smtClean="0"/>
-              <a:t>16.03.2023</a:t>
+              <a:t>19.04.2023</a:t>
             </a:fld>
             <a:endParaRPr lang="ru-RU"/>
           </a:p>
@@ -3467,7 +3467,7 @@
           <a:p>
             <a:fld id="{B4C71EC6-210F-42DE-9C53-41977AD35B3D}" type="datetimeFigureOut">
               <a:rPr lang="ru-RU" smtClean="0"/>
-              <a:t>16.03.2023</a:t>
+              <a:t>19.04.2023</a:t>
             </a:fld>
             <a:endParaRPr lang="ru-RU"/>
           </a:p>
@@ -3728,7 +3728,7 @@
           <a:p>
             <a:fld id="{B4C71EC6-210F-42DE-9C53-41977AD35B3D}" type="datetimeFigureOut">
               <a:rPr lang="ru-RU" smtClean="0"/>
-              <a:t>16.03.2023</a:t>
+              <a:t>19.04.2023</a:t>
             </a:fld>
             <a:endParaRPr lang="ru-RU"/>
           </a:p>
@@ -4016,7 +4016,7 @@
           <a:p>
             <a:fld id="{B4C71EC6-210F-42DE-9C53-41977AD35B3D}" type="datetimeFigureOut">
               <a:rPr lang="ru-RU" smtClean="0"/>
-              <a:t>16.03.2023</a:t>
+              <a:t>19.04.2023</a:t>
             </a:fld>
             <a:endParaRPr lang="ru-RU"/>
           </a:p>
@@ -4787,7 +4787,7 @@
           <a:p>
             <a:fld id="{B4C71EC6-210F-42DE-9C53-41977AD35B3D}" type="datetimeFigureOut">
               <a:rPr lang="ru-RU" smtClean="0"/>
-              <a:t>16.03.2023</a:t>
+              <a:t>19.04.2023</a:t>
             </a:fld>
             <a:endParaRPr lang="ru-RU"/>
           </a:p>
@@ -7778,8 +7778,8 @@
           <a:lstStyle/>
           <a:p>
             <a:r>
-              <a:rPr lang="en-US" sz="4500" dirty="0"/>
-              <a:t>Bean scores</a:t>
+              <a:rPr lang="en-US" sz="4500"/>
+              <a:t>Bean scopes</a:t>
             </a:r>
             <a:endParaRPr lang="en-GB" sz="4500" dirty="0"/>
           </a:p>
